--- a/images/Icon.pptx
+++ b/images/Icon.pptx
@@ -245,7 +245,7 @@
           <a:p>
             <a:fld id="{ABD92F28-2E2F-4185-9B57-3CF219B08B8D}" type="datetimeFigureOut">
               <a:rPr lang="en-IN" smtClean="0"/>
-              <a:t>01-07-2018</a:t>
+              <a:t>07-07-2018</a:t>
             </a:fld>
             <a:endParaRPr lang="en-IN"/>
           </a:p>
@@ -415,7 +415,7 @@
           <a:p>
             <a:fld id="{ABD92F28-2E2F-4185-9B57-3CF219B08B8D}" type="datetimeFigureOut">
               <a:rPr lang="en-IN" smtClean="0"/>
-              <a:t>01-07-2018</a:t>
+              <a:t>07-07-2018</a:t>
             </a:fld>
             <a:endParaRPr lang="en-IN"/>
           </a:p>
@@ -595,7 +595,7 @@
           <a:p>
             <a:fld id="{ABD92F28-2E2F-4185-9B57-3CF219B08B8D}" type="datetimeFigureOut">
               <a:rPr lang="en-IN" smtClean="0"/>
-              <a:t>01-07-2018</a:t>
+              <a:t>07-07-2018</a:t>
             </a:fld>
             <a:endParaRPr lang="en-IN"/>
           </a:p>
@@ -765,7 +765,7 @@
           <a:p>
             <a:fld id="{ABD92F28-2E2F-4185-9B57-3CF219B08B8D}" type="datetimeFigureOut">
               <a:rPr lang="en-IN" smtClean="0"/>
-              <a:t>01-07-2018</a:t>
+              <a:t>07-07-2018</a:t>
             </a:fld>
             <a:endParaRPr lang="en-IN"/>
           </a:p>
@@ -1011,7 +1011,7 @@
           <a:p>
             <a:fld id="{ABD92F28-2E2F-4185-9B57-3CF219B08B8D}" type="datetimeFigureOut">
               <a:rPr lang="en-IN" smtClean="0"/>
-              <a:t>01-07-2018</a:t>
+              <a:t>07-07-2018</a:t>
             </a:fld>
             <a:endParaRPr lang="en-IN"/>
           </a:p>
@@ -1243,7 +1243,7 @@
           <a:p>
             <a:fld id="{ABD92F28-2E2F-4185-9B57-3CF219B08B8D}" type="datetimeFigureOut">
               <a:rPr lang="en-IN" smtClean="0"/>
-              <a:t>01-07-2018</a:t>
+              <a:t>07-07-2018</a:t>
             </a:fld>
             <a:endParaRPr lang="en-IN"/>
           </a:p>
@@ -1610,7 +1610,7 @@
           <a:p>
             <a:fld id="{ABD92F28-2E2F-4185-9B57-3CF219B08B8D}" type="datetimeFigureOut">
               <a:rPr lang="en-IN" smtClean="0"/>
-              <a:t>01-07-2018</a:t>
+              <a:t>07-07-2018</a:t>
             </a:fld>
             <a:endParaRPr lang="en-IN"/>
           </a:p>
@@ -1728,7 +1728,7 @@
           <a:p>
             <a:fld id="{ABD92F28-2E2F-4185-9B57-3CF219B08B8D}" type="datetimeFigureOut">
               <a:rPr lang="en-IN" smtClean="0"/>
-              <a:t>01-07-2018</a:t>
+              <a:t>07-07-2018</a:t>
             </a:fld>
             <a:endParaRPr lang="en-IN"/>
           </a:p>
@@ -1823,7 +1823,7 @@
           <a:p>
             <a:fld id="{ABD92F28-2E2F-4185-9B57-3CF219B08B8D}" type="datetimeFigureOut">
               <a:rPr lang="en-IN" smtClean="0"/>
-              <a:t>01-07-2018</a:t>
+              <a:t>07-07-2018</a:t>
             </a:fld>
             <a:endParaRPr lang="en-IN"/>
           </a:p>
@@ -2100,7 +2100,7 @@
           <a:p>
             <a:fld id="{ABD92F28-2E2F-4185-9B57-3CF219B08B8D}" type="datetimeFigureOut">
               <a:rPr lang="en-IN" smtClean="0"/>
-              <a:t>01-07-2018</a:t>
+              <a:t>07-07-2018</a:t>
             </a:fld>
             <a:endParaRPr lang="en-IN"/>
           </a:p>
@@ -2353,7 +2353,7 @@
           <a:p>
             <a:fld id="{ABD92F28-2E2F-4185-9B57-3CF219B08B8D}" type="datetimeFigureOut">
               <a:rPr lang="en-IN" smtClean="0"/>
-              <a:t>01-07-2018</a:t>
+              <a:t>07-07-2018</a:t>
             </a:fld>
             <a:endParaRPr lang="en-IN"/>
           </a:p>
@@ -2566,7 +2566,7 @@
           <a:p>
             <a:fld id="{ABD92F28-2E2F-4185-9B57-3CF219B08B8D}" type="datetimeFigureOut">
               <a:rPr lang="en-IN" smtClean="0"/>
-              <a:t>01-07-2018</a:t>
+              <a:t>07-07-2018</a:t>
             </a:fld>
             <a:endParaRPr lang="en-IN"/>
           </a:p>
@@ -4301,13 +4301,13 @@
       </p:pic>
       <p:pic>
         <p:nvPicPr>
-          <p:cNvPr id="10" name="Picture 9"/>
+          <p:cNvPr id="11" name="Picture 10"/>
           <p:cNvPicPr>
             <a:picLocks noChangeAspect="1"/>
           </p:cNvPicPr>
           <p:nvPr/>
         </p:nvPicPr>
-        <p:blipFill rotWithShape="1">
+        <p:blipFill>
           <a:blip r:embed="rId4">
             <a:extLst>
               <a:ext uri="{28A0092B-C50C-407E-A947-70E740481C1C}">
@@ -4315,13 +4315,14 @@
               </a:ext>
             </a:extLst>
           </a:blip>
-          <a:srcRect l="5026" t="3637" r="5623" b="13074"/>
-          <a:stretch/>
+          <a:stretch>
+            <a:fillRect/>
+          </a:stretch>
         </p:blipFill>
         <p:spPr>
           <a:xfrm>
-            <a:off x="6622473" y="-1477663"/>
-            <a:ext cx="4750130" cy="5712031"/>
+            <a:off x="171959" y="-56529"/>
+            <a:ext cx="5144218" cy="2000529"/>
           </a:xfrm>
           <a:prstGeom prst="rect">
             <a:avLst/>
@@ -4330,7 +4331,7 @@
       </p:pic>
       <p:pic>
         <p:nvPicPr>
-          <p:cNvPr id="11" name="Picture 10"/>
+          <p:cNvPr id="12" name="Picture 11"/>
           <p:cNvPicPr>
             <a:picLocks noChangeAspect="1"/>
           </p:cNvPicPr>
@@ -4350,8 +4351,8 @@
         </p:blipFill>
         <p:spPr>
           <a:xfrm>
-            <a:off x="171959" y="-56529"/>
-            <a:ext cx="5144218" cy="2000529"/>
+            <a:off x="171959" y="2233839"/>
+            <a:ext cx="5153186" cy="2000529"/>
           </a:xfrm>
           <a:prstGeom prst="rect">
             <a:avLst/>
@@ -4360,13 +4361,13 @@
       </p:pic>
       <p:pic>
         <p:nvPicPr>
-          <p:cNvPr id="12" name="Picture 11"/>
+          <p:cNvPr id="8" name="Picture 7"/>
           <p:cNvPicPr>
             <a:picLocks noChangeAspect="1"/>
           </p:cNvPicPr>
           <p:nvPr/>
         </p:nvPicPr>
-        <p:blipFill>
+        <p:blipFill rotWithShape="1">
           <a:blip r:embed="rId6">
             <a:extLst>
               <a:ext uri="{28A0092B-C50C-407E-A947-70E740481C1C}">
@@ -4374,14 +4375,13 @@
               </a:ext>
             </a:extLst>
           </a:blip>
-          <a:stretch>
-            <a:fillRect/>
-          </a:stretch>
+          <a:srcRect l="5281" t="4050" r="5968" b="3504"/>
+          <a:stretch/>
         </p:blipFill>
         <p:spPr>
           <a:xfrm>
-            <a:off x="171959" y="2233839"/>
-            <a:ext cx="5153186" cy="2000529"/>
+            <a:off x="7010241" y="-631215"/>
+            <a:ext cx="3974593" cy="4865583"/>
           </a:xfrm>
           <a:prstGeom prst="rect">
             <a:avLst/>
